--- a/L09-review_topics.pptx
+++ b/L09-review_topics.pptx
@@ -5,16 +5,18 @@
     <p:sldMasterId id="2147483744" r:id="rId1"/>
   </p:sldMasterIdLst>
   <p:notesMasterIdLst>
-    <p:notesMasterId r:id="rId6"/>
+    <p:notesMasterId r:id="rId8"/>
   </p:notesMasterIdLst>
   <p:handoutMasterIdLst>
-    <p:handoutMasterId r:id="rId7"/>
+    <p:handoutMasterId r:id="rId9"/>
   </p:handoutMasterIdLst>
   <p:sldIdLst>
     <p:sldId id="256" r:id="rId2"/>
     <p:sldId id="575" r:id="rId3"/>
-    <p:sldId id="574" r:id="rId4"/>
-    <p:sldId id="576" r:id="rId5"/>
+    <p:sldId id="578" r:id="rId4"/>
+    <p:sldId id="577" r:id="rId5"/>
+    <p:sldId id="574" r:id="rId6"/>
+    <p:sldId id="576" r:id="rId7"/>
   </p:sldIdLst>
   <p:sldSz cx="12192000" cy="6858000"/>
   <p:notesSz cx="6858000" cy="9144000"/>
@@ -214,7 +216,7 @@
           <a:p>
             <a:fld id="{C787A165-4FDD-49E5-9F6D-D505BB88ABC6}" type="datetimeFigureOut">
               <a:rPr lang="en-US" smtClean="0"/>
-              <a:t>10/8/18</a:t>
+              <a:t>10/16/19</a:t>
             </a:fld>
             <a:endParaRPr lang="en-US"/>
           </a:p>
@@ -380,7 +382,7 @@
           <a:p>
             <a:fld id="{5D612DD9-5214-4F09-A917-0755DC49A4D5}" type="datetimeFigureOut">
               <a:rPr lang="en-US" smtClean="0"/>
-              <a:t>10/8/18</a:t>
+              <a:t>10/16/19</a:t>
             </a:fld>
             <a:endParaRPr lang="en-US"/>
           </a:p>
@@ -1061,7 +1063,7 @@
           </a:ln>
           <a:extLst>
             <a:ext uri="{909E8E84-426E-40dd-AFC4-6F175D3DCCD1}">
-              <a14:hiddenFill xmlns:a14="http://schemas.microsoft.com/office/drawing/2010/main" xmlns="">
+              <a14:hiddenFill xmlns="" xmlns:a14="http://schemas.microsoft.com/office/drawing/2010/main">
                 <a:solidFill>
                   <a:srgbClr val="FFFFFF"/>
                 </a:solidFill>
@@ -1107,7 +1109,7 @@
           </a:ln>
           <a:extLst>
             <a:ext uri="{909E8E84-426E-40dd-AFC4-6F175D3DCCD1}">
-              <a14:hiddenFill xmlns:a14="http://schemas.microsoft.com/office/drawing/2010/main" xmlns="">
+              <a14:hiddenFill xmlns="" xmlns:a14="http://schemas.microsoft.com/office/drawing/2010/main">
                 <a:solidFill>
                   <a:srgbClr val="FFFFFF"/>
                 </a:solidFill>
@@ -1153,7 +1155,7 @@
           </a:ln>
           <a:extLst>
             <a:ext uri="{909E8E84-426E-40dd-AFC4-6F175D3DCCD1}">
-              <a14:hiddenFill xmlns:a14="http://schemas.microsoft.com/office/drawing/2010/main" xmlns="">
+              <a14:hiddenFill xmlns="" xmlns:a14="http://schemas.microsoft.com/office/drawing/2010/main">
                 <a:solidFill>
                   <a:srgbClr val="FFFFFF"/>
                 </a:solidFill>
@@ -1197,7 +1199,7 @@
           </a:ln>
           <a:extLst>
             <a:ext uri="{909E8E84-426E-40dd-AFC4-6F175D3DCCD1}">
-              <a14:hiddenFill xmlns:a14="http://schemas.microsoft.com/office/drawing/2010/main" xmlns="">
+              <a14:hiddenFill xmlns="" xmlns:a14="http://schemas.microsoft.com/office/drawing/2010/main">
                 <a:solidFill>
                   <a:srgbClr val="FFFFFF"/>
                 </a:solidFill>
@@ -1243,7 +1245,7 @@
           </a:ln>
           <a:extLst>
             <a:ext uri="{909E8E84-426E-40dd-AFC4-6F175D3DCCD1}">
-              <a14:hiddenFill xmlns:a14="http://schemas.microsoft.com/office/drawing/2010/main" xmlns="">
+              <a14:hiddenFill xmlns="" xmlns:a14="http://schemas.microsoft.com/office/drawing/2010/main">
                 <a:solidFill>
                   <a:srgbClr val="FFFFFF"/>
                 </a:solidFill>
@@ -1289,7 +1291,7 @@
           </a:ln>
           <a:extLst>
             <a:ext uri="{909E8E84-426E-40dd-AFC4-6F175D3DCCD1}">
-              <a14:hiddenFill xmlns:a14="http://schemas.microsoft.com/office/drawing/2010/main" xmlns="">
+              <a14:hiddenFill xmlns="" xmlns:a14="http://schemas.microsoft.com/office/drawing/2010/main">
                 <a:solidFill>
                   <a:srgbClr val="FFFFFF"/>
                 </a:solidFill>
@@ -4723,7 +4725,7 @@
           </a:ln>
           <a:extLst>
             <a:ext uri="{909E8E84-426E-40dd-AFC4-6F175D3DCCD1}">
-              <a14:hiddenFill xmlns:a14="http://schemas.microsoft.com/office/drawing/2010/main" xmlns="">
+              <a14:hiddenFill xmlns="" xmlns:a14="http://schemas.microsoft.com/office/drawing/2010/main">
                 <a:solidFill>
                   <a:srgbClr val="FFFFFF"/>
                 </a:solidFill>
@@ -4769,7 +4771,7 @@
           </a:ln>
           <a:extLst>
             <a:ext uri="{909E8E84-426E-40dd-AFC4-6F175D3DCCD1}">
-              <a14:hiddenFill xmlns:a14="http://schemas.microsoft.com/office/drawing/2010/main" xmlns="">
+              <a14:hiddenFill xmlns="" xmlns:a14="http://schemas.microsoft.com/office/drawing/2010/main">
                 <a:solidFill>
                   <a:srgbClr val="FFFFFF"/>
                 </a:solidFill>
@@ -4815,7 +4817,7 @@
           </a:ln>
           <a:extLst>
             <a:ext uri="{909E8E84-426E-40dd-AFC4-6F175D3DCCD1}">
-              <a14:hiddenFill xmlns:a14="http://schemas.microsoft.com/office/drawing/2010/main" xmlns="">
+              <a14:hiddenFill xmlns="" xmlns:a14="http://schemas.microsoft.com/office/drawing/2010/main">
                 <a:solidFill>
                   <a:srgbClr val="FFFFFF"/>
                 </a:solidFill>
@@ -4859,7 +4861,7 @@
           </a:ln>
           <a:extLst>
             <a:ext uri="{909E8E84-426E-40dd-AFC4-6F175D3DCCD1}">
-              <a14:hiddenFill xmlns:a14="http://schemas.microsoft.com/office/drawing/2010/main" xmlns="">
+              <a14:hiddenFill xmlns="" xmlns:a14="http://schemas.microsoft.com/office/drawing/2010/main">
                 <a:solidFill>
                   <a:srgbClr val="FFFFFF"/>
                 </a:solidFill>
@@ -4905,7 +4907,7 @@
           </a:ln>
           <a:extLst>
             <a:ext uri="{909E8E84-426E-40dd-AFC4-6F175D3DCCD1}">
-              <a14:hiddenFill xmlns:a14="http://schemas.microsoft.com/office/drawing/2010/main" xmlns="">
+              <a14:hiddenFill xmlns="" xmlns:a14="http://schemas.microsoft.com/office/drawing/2010/main">
                 <a:solidFill>
                   <a:srgbClr val="FFFFFF"/>
                 </a:solidFill>
@@ -4951,7 +4953,7 @@
           </a:ln>
           <a:extLst>
             <a:ext uri="{909E8E84-426E-40dd-AFC4-6F175D3DCCD1}">
-              <a14:hiddenFill xmlns:a14="http://schemas.microsoft.com/office/drawing/2010/main" xmlns="">
+              <a14:hiddenFill xmlns="" xmlns:a14="http://schemas.microsoft.com/office/drawing/2010/main">
                 <a:solidFill>
                   <a:srgbClr val="FFFFFF"/>
                 </a:solidFill>
@@ -7143,7 +7145,7 @@
           <a:p>
             <a:fld id="{6E39BF48-6E0A-4E37-BB05-8DF70571673D}" type="datetimeFigureOut">
               <a:rPr lang="en-US" smtClean="0"/>
-              <a:t>10/8/18</a:t>
+              <a:t>10/16/19</a:t>
             </a:fld>
             <a:endParaRPr lang="en-US"/>
           </a:p>
@@ -7656,40 +7658,46 @@
           <a:p>
             <a:r>
               <a:rPr lang="en-US" dirty="0"/>
-              <a:t>Basic Geometry &amp; Trigonometry</a:t>
-            </a:r>
-          </a:p>
-          <a:p>
-            <a:pPr lvl="1"/>
-            <a:r>
-              <a:rPr lang="en-US" dirty="0"/>
-              <a:t>points, vectors, angles, cross products, etc.</a:t>
-            </a:r>
-          </a:p>
-          <a:p>
-            <a:r>
-              <a:rPr lang="en-US" dirty="0"/>
-              <a:t>Segment/Segment Intersection</a:t>
-            </a:r>
-          </a:p>
-          <a:p>
-            <a:pPr lvl="1"/>
-            <a:r>
-              <a:rPr lang="en-US" dirty="0"/>
-              <a:t>pairwise, AABB method, sweep method</a:t>
-            </a:r>
-          </a:p>
-          <a:p>
-            <a:r>
-              <a:rPr lang="en-US" dirty="0"/>
-              <a:t>Polygons</a:t>
-            </a:r>
-          </a:p>
-          <a:p>
-            <a:pPr lvl="1"/>
-            <a:r>
-              <a:rPr lang="en-US" dirty="0"/>
-              <a:t>Simple/non-simple, orientation, internal/external angles, diagonal definition, point inside polygon, number of triangulations, area, intersection by walking chains</a:t>
+              <a:t>Pen/pencil</a:t>
+            </a:r>
+          </a:p>
+          <a:p>
+            <a:r>
+              <a:rPr lang="en-US" dirty="0"/>
+              <a:t>Cheat sheet (one) 8.5x11 front side only</a:t>
+            </a:r>
+          </a:p>
+          <a:p>
+            <a:r>
+              <a:rPr lang="en-US" dirty="0"/>
+              <a:t>Straight edge (we have some, if you don’t)</a:t>
+            </a:r>
+          </a:p>
+          <a:p>
+            <a:endParaRPr lang="en-US" dirty="0"/>
+          </a:p>
+          <a:p>
+            <a:r>
+              <a:rPr lang="en-US" dirty="0"/>
+              <a:t>No calculators</a:t>
+            </a:r>
+          </a:p>
+          <a:p>
+            <a:r>
+              <a:rPr lang="en-US" dirty="0"/>
+              <a:t>No other notes</a:t>
+            </a:r>
+          </a:p>
+          <a:p>
+            <a:r>
+              <a:rPr lang="en-US" dirty="0"/>
+              <a:t>No books</a:t>
+            </a:r>
+          </a:p>
+          <a:p>
+            <a:r>
+              <a:rPr lang="en-US" dirty="0"/>
+              <a:t>No electronics</a:t>
             </a:r>
           </a:p>
         </p:txBody>
@@ -7742,7 +7750,7 @@
           <a:p>
             <a:r>
               <a:rPr lang="en-US" dirty="0"/>
-              <a:t>Review Topics</a:t>
+              <a:t>What you’re allowed/Need</a:t>
             </a:r>
           </a:p>
         </p:txBody>
@@ -7761,6 +7769,155 @@
 </file>
 
 <file path=ppt/slides/slide3.xml><?xml version="1.0" encoding="utf-8"?>
+<p:sld xmlns:a="http://schemas.openxmlformats.org/drawingml/2006/main" xmlns:r="http://schemas.openxmlformats.org/officeDocument/2006/relationships" xmlns:p="http://schemas.openxmlformats.org/presentationml/2006/main">
+  <p:cSld>
+    <p:spTree>
+      <p:nvGrpSpPr>
+        <p:cNvPr id="1" name=""/>
+        <p:cNvGrpSpPr/>
+        <p:nvPr/>
+      </p:nvGrpSpPr>
+      <p:grpSpPr>
+        <a:xfrm>
+          <a:off x="0" y="0"/>
+          <a:ext cx="0" cy="0"/>
+          <a:chOff x="0" y="0"/>
+          <a:chExt cx="0" cy="0"/>
+        </a:xfrm>
+      </p:grpSpPr>
+      <p:sp>
+        <p:nvSpPr>
+          <p:cNvPr id="2" name="Content Placeholder 1">
+            <a:extLst>
+              <a:ext uri="{FF2B5EF4-FFF2-40B4-BE49-F238E27FC236}">
+                <a16:creationId xmlns:a16="http://schemas.microsoft.com/office/drawing/2014/main" id="{55CCDB16-B668-8440-941C-4677497A8027}"/>
+              </a:ext>
+            </a:extLst>
+          </p:cNvPr>
+          <p:cNvSpPr>
+            <a:spLocks noGrp="1"/>
+          </p:cNvSpPr>
+          <p:nvPr>
+            <p:ph sz="half" idx="1"/>
+          </p:nvPr>
+        </p:nvSpPr>
+        <p:spPr/>
+        <p:txBody>
+          <a:bodyPr/>
+          <a:lstStyle/>
+          <a:p>
+            <a:r>
+              <a:rPr lang="en-US" dirty="0"/>
+              <a:t>Exam Oct 22, in class</a:t>
+            </a:r>
+          </a:p>
+          <a:p>
+            <a:pPr lvl="1"/>
+            <a:r>
+              <a:rPr lang="en-US" dirty="0"/>
+              <a:t>You have the class period (75 minutes) to take the exam.</a:t>
+            </a:r>
+          </a:p>
+          <a:p>
+            <a:pPr lvl="1"/>
+            <a:r>
+              <a:rPr lang="en-US" dirty="0"/>
+              <a:t>I won’t be here</a:t>
+            </a:r>
+          </a:p>
+          <a:p>
+            <a:pPr lvl="1"/>
+            <a:r>
+              <a:rPr lang="en-US" dirty="0"/>
+              <a:t>TA (</a:t>
+            </a:r>
+            <a:r>
+              <a:rPr lang="en-US" dirty="0" err="1"/>
+              <a:t>Junyi</a:t>
+            </a:r>
+            <a:r>
+              <a:rPr lang="en-US" dirty="0"/>
+              <a:t> Tu) will administer the exam</a:t>
+            </a:r>
+          </a:p>
+          <a:p>
+            <a:endParaRPr lang="en-US" dirty="0"/>
+          </a:p>
+          <a:p>
+            <a:r>
+              <a:rPr lang="en-US" dirty="0"/>
+              <a:t>No class Oct 24</a:t>
+            </a:r>
+          </a:p>
+        </p:txBody>
+      </p:sp>
+      <p:sp>
+        <p:nvSpPr>
+          <p:cNvPr id="3" name="Content Placeholder 2">
+            <a:extLst>
+              <a:ext uri="{FF2B5EF4-FFF2-40B4-BE49-F238E27FC236}">
+                <a16:creationId xmlns:a16="http://schemas.microsoft.com/office/drawing/2014/main" id="{7A8A7A9F-DF29-9242-8848-5989ED288017}"/>
+              </a:ext>
+            </a:extLst>
+          </p:cNvPr>
+          <p:cNvSpPr>
+            <a:spLocks noGrp="1"/>
+          </p:cNvSpPr>
+          <p:nvPr>
+            <p:ph sz="half" idx="10"/>
+          </p:nvPr>
+        </p:nvSpPr>
+        <p:spPr/>
+        <p:txBody>
+          <a:bodyPr/>
+          <a:lstStyle/>
+          <a:p>
+            <a:endParaRPr lang="en-US"/>
+          </a:p>
+        </p:txBody>
+      </p:sp>
+      <p:sp>
+        <p:nvSpPr>
+          <p:cNvPr id="4" name="Content Placeholder 3">
+            <a:extLst>
+              <a:ext uri="{FF2B5EF4-FFF2-40B4-BE49-F238E27FC236}">
+                <a16:creationId xmlns:a16="http://schemas.microsoft.com/office/drawing/2014/main" id="{55DF00F2-9502-1241-86E9-4849E895A8DE}"/>
+              </a:ext>
+            </a:extLst>
+          </p:cNvPr>
+          <p:cNvSpPr>
+            <a:spLocks noGrp="1"/>
+          </p:cNvSpPr>
+          <p:nvPr>
+            <p:ph sz="half" idx="11"/>
+          </p:nvPr>
+        </p:nvSpPr>
+        <p:spPr/>
+        <p:txBody>
+          <a:bodyPr/>
+          <a:lstStyle/>
+          <a:p>
+            <a:r>
+              <a:rPr lang="en-US" dirty="0"/>
+              <a:t>What to expect</a:t>
+            </a:r>
+          </a:p>
+        </p:txBody>
+      </p:sp>
+    </p:spTree>
+    <p:extLst>
+      <p:ext uri="{BB962C8B-B14F-4D97-AF65-F5344CB8AC3E}">
+        <p14:creationId xmlns:p14="http://schemas.microsoft.com/office/powerpoint/2010/main" val="203779879"/>
+      </p:ext>
+    </p:extLst>
+  </p:cSld>
+  <p:clrMapOvr>
+    <a:masterClrMapping/>
+  </p:clrMapOvr>
+</p:sld>
+</file>
+
+<file path=ppt/slides/slide4.xml><?xml version="1.0" encoding="utf-8"?>
 <p:sld xmlns:a="http://schemas.openxmlformats.org/drawingml/2006/main" xmlns:r="http://schemas.openxmlformats.org/officeDocument/2006/relationships" xmlns:p="http://schemas.openxmlformats.org/presentationml/2006/main">
   <p:cSld>
     <p:spTree>
@@ -7802,48 +7959,40 @@
           <a:p>
             <a:r>
               <a:rPr lang="en-US" dirty="0"/>
-              <a:t>Art gallery problem</a:t>
+              <a:t>Basic Geometry &amp; Trigonometry</a:t>
             </a:r>
           </a:p>
           <a:p>
             <a:pPr lvl="1"/>
             <a:r>
               <a:rPr lang="en-US" dirty="0"/>
-              <a:t>Max of mins definition, triangulation, dual of a triangulation, coloring of vertices</a:t>
-            </a:r>
-          </a:p>
-          <a:p>
-            <a:r>
-              <a:rPr lang="en-US" dirty="0"/>
-              <a:t>Triangulation</a:t>
+              <a:t>points, vectors, angles, cross products, etc.</a:t>
+            </a:r>
+          </a:p>
+          <a:p>
+            <a:r>
+              <a:rPr lang="en-US" dirty="0"/>
+              <a:t>Segment/Segment Intersection</a:t>
             </a:r>
           </a:p>
           <a:p>
             <a:pPr lvl="1"/>
             <a:r>
               <a:rPr lang="en-US" dirty="0"/>
-              <a:t>Diagonal-based approach, ear-based approach, monotone partitioning, monotone triangulation</a:t>
-            </a:r>
-          </a:p>
-          <a:p>
-            <a:r>
-              <a:rPr lang="en-US" dirty="0"/>
-              <a:t>Convex hulls</a:t>
+              <a:t>pairwise, AABB method, sweep method</a:t>
+            </a:r>
+          </a:p>
+          <a:p>
+            <a:r>
+              <a:rPr lang="en-US" dirty="0"/>
+              <a:t>Polygons</a:t>
             </a:r>
           </a:p>
           <a:p>
             <a:pPr lvl="1"/>
             <a:r>
               <a:rPr lang="en-US" dirty="0"/>
-              <a:t>Naïve algorithms, </a:t>
-            </a:r>
-            <a:r>
-              <a:rPr lang="en-US" dirty="0" err="1"/>
-              <a:t>QuickHull</a:t>
-            </a:r>
-            <a:r>
-              <a:rPr lang="en-US" dirty="0"/>
-              <a:t>, Gift wrapping, Graham scan, incremental, divide-and-conquer</a:t>
+              <a:t>Simple/non-simple, orientation, internal/external angles, diagonal definition, point inside polygon, number of triangulations, area, intersection by walking chains</a:t>
             </a:r>
           </a:p>
         </p:txBody>
@@ -7904,6 +8053,139 @@
     </p:spTree>
     <p:extLst>
       <p:ext uri="{BB962C8B-B14F-4D97-AF65-F5344CB8AC3E}">
+        <p14:creationId xmlns:p14="http://schemas.microsoft.com/office/powerpoint/2010/main" val="3515917148"/>
+      </p:ext>
+    </p:extLst>
+  </p:cSld>
+  <p:clrMapOvr>
+    <a:masterClrMapping/>
+  </p:clrMapOvr>
+</p:sld>
+</file>
+
+<file path=ppt/slides/slide5.xml><?xml version="1.0" encoding="utf-8"?>
+<p:sld xmlns:a="http://schemas.openxmlformats.org/drawingml/2006/main" xmlns:r="http://schemas.openxmlformats.org/officeDocument/2006/relationships" xmlns:p="http://schemas.openxmlformats.org/presentationml/2006/main">
+  <p:cSld>
+    <p:spTree>
+      <p:nvGrpSpPr>
+        <p:cNvPr id="1" name=""/>
+        <p:cNvGrpSpPr/>
+        <p:nvPr/>
+      </p:nvGrpSpPr>
+      <p:grpSpPr>
+        <a:xfrm>
+          <a:off x="0" y="0"/>
+          <a:ext cx="0" cy="0"/>
+          <a:chOff x="0" y="0"/>
+          <a:chExt cx="0" cy="0"/>
+        </a:xfrm>
+      </p:grpSpPr>
+      <p:sp>
+        <p:nvSpPr>
+          <p:cNvPr id="2" name="Content Placeholder 1">
+            <a:extLst>
+              <a:ext uri="{FF2B5EF4-FFF2-40B4-BE49-F238E27FC236}">
+                <a16:creationId xmlns:a16="http://schemas.microsoft.com/office/drawing/2014/main" id="{3907C3F7-0218-8A49-B9E9-3269448720A9}"/>
+              </a:ext>
+            </a:extLst>
+          </p:cNvPr>
+          <p:cNvSpPr>
+            <a:spLocks noGrp="1"/>
+          </p:cNvSpPr>
+          <p:nvPr>
+            <p:ph sz="half" idx="1"/>
+          </p:nvPr>
+        </p:nvSpPr>
+        <p:spPr/>
+        <p:txBody>
+          <a:bodyPr>
+            <a:normAutofit/>
+          </a:bodyPr>
+          <a:lstStyle/>
+          <a:p>
+            <a:r>
+              <a:rPr lang="en-US" dirty="0"/>
+              <a:t>Art gallery problem</a:t>
+            </a:r>
+          </a:p>
+          <a:p>
+            <a:pPr lvl="1"/>
+            <a:r>
+              <a:rPr lang="en-US" dirty="0"/>
+              <a:t>Max of mins definition, triangulation, dual of a triangulation, coloring of vertices</a:t>
+            </a:r>
+          </a:p>
+          <a:p>
+            <a:r>
+              <a:rPr lang="en-US" dirty="0"/>
+              <a:t>Triangulation</a:t>
+            </a:r>
+          </a:p>
+          <a:p>
+            <a:pPr lvl="1"/>
+            <a:r>
+              <a:rPr lang="en-US" dirty="0"/>
+              <a:t>Diagonal-based approach, ear-based approach, monotone partitioning, monotone triangulation</a:t>
+            </a:r>
+          </a:p>
+        </p:txBody>
+      </p:sp>
+      <p:sp>
+        <p:nvSpPr>
+          <p:cNvPr id="3" name="Content Placeholder 2">
+            <a:extLst>
+              <a:ext uri="{FF2B5EF4-FFF2-40B4-BE49-F238E27FC236}">
+                <a16:creationId xmlns:a16="http://schemas.microsoft.com/office/drawing/2014/main" id="{DB395ECB-EA42-CE44-853F-A65D8A53F08F}"/>
+              </a:ext>
+            </a:extLst>
+          </p:cNvPr>
+          <p:cNvSpPr>
+            <a:spLocks noGrp="1"/>
+          </p:cNvSpPr>
+          <p:nvPr>
+            <p:ph sz="half" idx="10"/>
+          </p:nvPr>
+        </p:nvSpPr>
+        <p:spPr/>
+        <p:txBody>
+          <a:bodyPr/>
+          <a:lstStyle/>
+          <a:p>
+            <a:endParaRPr lang="en-US"/>
+          </a:p>
+        </p:txBody>
+      </p:sp>
+      <p:sp>
+        <p:nvSpPr>
+          <p:cNvPr id="4" name="Content Placeholder 3">
+            <a:extLst>
+              <a:ext uri="{FF2B5EF4-FFF2-40B4-BE49-F238E27FC236}">
+                <a16:creationId xmlns:a16="http://schemas.microsoft.com/office/drawing/2014/main" id="{DF642EE2-6FE2-764E-8086-B9EE1E9A8AC6}"/>
+              </a:ext>
+            </a:extLst>
+          </p:cNvPr>
+          <p:cNvSpPr>
+            <a:spLocks noGrp="1"/>
+          </p:cNvSpPr>
+          <p:nvPr>
+            <p:ph sz="half" idx="11"/>
+          </p:nvPr>
+        </p:nvSpPr>
+        <p:spPr/>
+        <p:txBody>
+          <a:bodyPr/>
+          <a:lstStyle/>
+          <a:p>
+            <a:r>
+              <a:rPr lang="en-US" dirty="0"/>
+              <a:t>Review Topics</a:t>
+            </a:r>
+          </a:p>
+        </p:txBody>
+      </p:sp>
+    </p:spTree>
+    <p:extLst>
+      <p:ext uri="{BB962C8B-B14F-4D97-AF65-F5344CB8AC3E}">
         <p14:creationId xmlns:p14="http://schemas.microsoft.com/office/powerpoint/2010/main" val="1291046376"/>
       </p:ext>
     </p:extLst>
@@ -7914,7 +8196,7 @@
 </p:sld>
 </file>
 
-<file path=ppt/slides/slide4.xml><?xml version="1.0" encoding="utf-8"?>
+<file path=ppt/slides/slide6.xml><?xml version="1.0" encoding="utf-8"?>
 <p:sld xmlns:a="http://schemas.openxmlformats.org/drawingml/2006/main" xmlns:r="http://schemas.openxmlformats.org/officeDocument/2006/relationships" xmlns:p="http://schemas.openxmlformats.org/presentationml/2006/main">
   <p:cSld>
     <p:spTree>
